--- a/Patient Health Monitoring Portal.pptx
+++ b/Patient Health Monitoring Portal.pptx
@@ -15,7 +15,7 @@
     <p:sldId id="257" r:id="rId3"/>
     <p:sldId id="258" r:id="rId4"/>
     <p:sldId id="259" r:id="rId5"/>
-    <p:sldId id="261" r:id="rId6"/>
+    <p:sldId id="275" r:id="rId6"/>
     <p:sldId id="262" r:id="rId7"/>
     <p:sldId id="263" r:id="rId8"/>
     <p:sldId id="264" r:id="rId9"/>
@@ -129,7 +129,7 @@
   </p:defaultTextStyle>
   <p:extLst>
     <p:ext uri="{EFAFB233-063F-42B5-8137-9DF3F51BA10A}">
-      <p15:sldGuideLst xmlns:p15="http://schemas.microsoft.com/office/powerpoint/2012/main">
+      <p15:sldGuideLst xmlns:p15="http://schemas.microsoft.com/office/powerpoint/2012/main" xmlns="">
         <p15:guide id="1" orient="horz" pos="2160">
           <p15:clr>
             <a:srgbClr val="A4A3A4"/>
@@ -232,7 +232,7 @@
             <a:fld id="{E2FC1729-FA6D-4EF7-94F8-7FEAE30B6C13}" type="datetimeFigureOut">
               <a:rPr lang="en-US" smtClean="0"/>
               <a:pPr/>
-              <a:t>4/25/2023</a:t>
+              <a:t>4/27/2023</a:t>
             </a:fld>
             <a:endParaRPr lang="en-US"/>
           </a:p>
@@ -308,7 +308,7 @@
     </p:spTree>
     <p:extLst>
       <p:ext uri="{BB962C8B-B14F-4D97-AF65-F5344CB8AC3E}">
-        <p14:creationId xmlns:p14="http://schemas.microsoft.com/office/powerpoint/2010/main" val="1"/>
+        <p14:creationId xmlns:p14="http://schemas.microsoft.com/office/powerpoint/2010/main" xmlns="" val="1"/>
       </p:ext>
     </p:extLst>
   </p:cSld>
@@ -403,7 +403,7 @@
             <a:fld id="{D689D9D8-3A5F-4C3F-A7C9-A4542FA44C72}" type="datetimeFigureOut">
               <a:rPr lang="en-US" smtClean="0"/>
               <a:pPr/>
-              <a:t>4/25/2023</a:t>
+              <a:t>4/27/2023</a:t>
             </a:fld>
             <a:endParaRPr lang="en-US"/>
           </a:p>
@@ -929,7 +929,7 @@
             <a:fld id="{BDCE29E6-304F-4E02-ADDD-E5A1D285F9B3}" type="datetime1">
               <a:rPr lang="en-US" smtClean="0"/>
               <a:pPr/>
-              <a:t>4/25/2023</a:t>
+              <a:t>4/27/2023</a:t>
             </a:fld>
             <a:endParaRPr lang="en-US"/>
           </a:p>
@@ -1097,7 +1097,7 @@
             <a:fld id="{02C18D22-11A5-4A5E-8AF0-6395E1B7CD44}" type="datetime1">
               <a:rPr lang="en-US" smtClean="0"/>
               <a:pPr/>
-              <a:t>4/25/2023</a:t>
+              <a:t>4/27/2023</a:t>
             </a:fld>
             <a:endParaRPr lang="en-US"/>
           </a:p>
@@ -1275,7 +1275,7 @@
             <a:fld id="{4CDFCF44-8314-4B76-94AE-A2D4ABE5AD5C}" type="datetime1">
               <a:rPr lang="en-US" smtClean="0"/>
               <a:pPr/>
-              <a:t>4/25/2023</a:t>
+              <a:t>4/27/2023</a:t>
             </a:fld>
             <a:endParaRPr lang="en-US"/>
           </a:p>
@@ -1443,7 +1443,7 @@
             <a:fld id="{7956BA9E-3C90-4102-8DCD-05C6DC67C49E}" type="datetime1">
               <a:rPr lang="en-US" smtClean="0"/>
               <a:pPr/>
-              <a:t>4/25/2023</a:t>
+              <a:t>4/27/2023</a:t>
             </a:fld>
             <a:endParaRPr lang="en-US"/>
           </a:p>
@@ -1688,7 +1688,7 @@
             <a:fld id="{453055B6-6049-4826-98A5-AF6EC55B58FA}" type="datetime1">
               <a:rPr lang="en-US" smtClean="0"/>
               <a:pPr/>
-              <a:t>4/25/2023</a:t>
+              <a:t>4/27/2023</a:t>
             </a:fld>
             <a:endParaRPr lang="en-US"/>
           </a:p>
@@ -1973,7 +1973,7 @@
             <a:fld id="{7486CC1A-BD4C-4FD6-A8C4-E2842E1E3F44}" type="datetime1">
               <a:rPr lang="en-US" smtClean="0"/>
               <a:pPr/>
-              <a:t>4/25/2023</a:t>
+              <a:t>4/27/2023</a:t>
             </a:fld>
             <a:endParaRPr lang="en-US"/>
           </a:p>
@@ -2392,7 +2392,7 @@
             <a:fld id="{8D9440DC-7CC8-40F6-B537-0A43F6C0FC26}" type="datetime1">
               <a:rPr lang="en-US" smtClean="0"/>
               <a:pPr/>
-              <a:t>4/25/2023</a:t>
+              <a:t>4/27/2023</a:t>
             </a:fld>
             <a:endParaRPr lang="en-US"/>
           </a:p>
@@ -2509,7 +2509,7 @@
             <a:fld id="{69EE5B77-6AF9-421F-8F34-B7123447ABD5}" type="datetime1">
               <a:rPr lang="en-US" smtClean="0"/>
               <a:pPr/>
-              <a:t>4/25/2023</a:t>
+              <a:t>4/27/2023</a:t>
             </a:fld>
             <a:endParaRPr lang="en-US"/>
           </a:p>
@@ -2604,7 +2604,7 @@
             <a:fld id="{285DAF8A-2CF3-40EB-AE1C-C8DDB4A66F77}" type="datetime1">
               <a:rPr lang="en-US" smtClean="0"/>
               <a:pPr/>
-              <a:t>4/25/2023</a:t>
+              <a:t>4/27/2023</a:t>
             </a:fld>
             <a:endParaRPr lang="en-US"/>
           </a:p>
@@ -2879,7 +2879,7 @@
             <a:fld id="{D363706A-0ABC-4BD0-BC80-BE540F02EEBC}" type="datetime1">
               <a:rPr lang="en-US" smtClean="0"/>
               <a:pPr/>
-              <a:t>4/25/2023</a:t>
+              <a:t>4/27/2023</a:t>
             </a:fld>
             <a:endParaRPr lang="en-US"/>
           </a:p>
@@ -3131,7 +3131,7 @@
             <a:fld id="{DBCD4C57-E54D-441E-B81B-D314C842C5C5}" type="datetime1">
               <a:rPr lang="en-US" smtClean="0"/>
               <a:pPr/>
-              <a:t>4/25/2023</a:t>
+              <a:t>4/27/2023</a:t>
             </a:fld>
             <a:endParaRPr lang="en-US"/>
           </a:p>
@@ -3342,7 +3342,7 @@
             <a:fld id="{4731F0A9-D90D-4A1F-ABA1-70D426305361}" type="datetime1">
               <a:rPr lang="en-US" smtClean="0"/>
               <a:pPr/>
-              <a:t>4/25/2023</a:t>
+              <a:t>4/27/2023</a:t>
             </a:fld>
             <a:endParaRPr lang="en-US"/>
           </a:p>
@@ -3785,8 +3785,8 @@
         </p:nvSpPr>
         <p:spPr>
           <a:xfrm>
-            <a:off x="214282" y="4643446"/>
-            <a:ext cx="8715436" cy="1714512"/>
+            <a:off x="214282" y="4857760"/>
+            <a:ext cx="8715436" cy="1500198"/>
           </a:xfrm>
         </p:spPr>
         <p:txBody>
@@ -3807,7 +3807,7 @@
             <a:r>
               <a:rPr lang="en-US" sz="1600" b="1" dirty="0">
                 <a:solidFill>
-                  <a:srgbClr val="C00000"/>
+                  <a:schemeClr val="tx1"/>
                 </a:solidFill>
                 <a:latin typeface="Times New Roman" pitchFamily="18" charset="0"/>
                 <a:cs typeface="Times New Roman" pitchFamily="18" charset="0"/>
@@ -3820,7 +3820,7 @@
             <a:r>
               <a:rPr lang="en-US" sz="1600" dirty="0">
                 <a:solidFill>
-                  <a:srgbClr val="C00000"/>
+                  <a:schemeClr val="tx1"/>
                 </a:solidFill>
                 <a:latin typeface="Times New Roman" pitchFamily="18" charset="0"/>
                 <a:cs typeface="Times New Roman" pitchFamily="18" charset="0"/>
@@ -3830,7 +3830,7 @@
             <a:r>
               <a:rPr lang="en-US" sz="1600" dirty="0" err="1">
                 <a:solidFill>
-                  <a:srgbClr val="C00000"/>
+                  <a:schemeClr val="tx1"/>
                 </a:solidFill>
                 <a:latin typeface="Times New Roman" pitchFamily="18" charset="0"/>
                 <a:cs typeface="Times New Roman" pitchFamily="18" charset="0"/>
@@ -3840,7 +3840,7 @@
             <a:r>
               <a:rPr lang="en-US" sz="1600" dirty="0">
                 <a:solidFill>
-                  <a:srgbClr val="C00000"/>
+                  <a:schemeClr val="tx1"/>
                 </a:solidFill>
                 <a:latin typeface="Times New Roman" pitchFamily="18" charset="0"/>
                 <a:cs typeface="Times New Roman" pitchFamily="18" charset="0"/>
@@ -3850,7 +3850,7 @@
             <a:r>
               <a:rPr lang="en-US" sz="1600" dirty="0" err="1">
                 <a:solidFill>
-                  <a:srgbClr val="C00000"/>
+                  <a:schemeClr val="tx1"/>
                 </a:solidFill>
                 <a:latin typeface="Times New Roman" pitchFamily="18" charset="0"/>
                 <a:cs typeface="Times New Roman" pitchFamily="18" charset="0"/>
@@ -3859,7 +3859,7 @@
             </a:r>
             <a:endParaRPr lang="en-US" sz="1600" dirty="0">
               <a:solidFill>
-                <a:srgbClr val="C00000"/>
+                <a:schemeClr val="tx1"/>
               </a:solidFill>
               <a:latin typeface="Times New Roman" pitchFamily="18" charset="0"/>
               <a:cs typeface="Times New Roman" pitchFamily="18" charset="0"/>
@@ -3870,7 +3870,7 @@
             <a:r>
               <a:rPr lang="en-US" sz="1600" dirty="0">
                 <a:solidFill>
-                  <a:srgbClr val="C00000"/>
+                  <a:schemeClr val="tx1"/>
                 </a:solidFill>
                 <a:latin typeface="Times New Roman" pitchFamily="18" charset="0"/>
                 <a:cs typeface="Times New Roman" pitchFamily="18" charset="0"/>
@@ -3880,7 +3880,7 @@
             <a:r>
               <a:rPr lang="en-US" sz="1600" dirty="0" err="1">
                 <a:solidFill>
-                  <a:srgbClr val="C00000"/>
+                  <a:schemeClr val="tx1"/>
                 </a:solidFill>
                 <a:latin typeface="Times New Roman" pitchFamily="18" charset="0"/>
                 <a:cs typeface="Times New Roman" pitchFamily="18" charset="0"/>
@@ -3890,7 +3890,7 @@
             <a:r>
               <a:rPr lang="en-US" sz="1600" dirty="0">
                 <a:solidFill>
-                  <a:srgbClr val="C00000"/>
+                  <a:schemeClr val="tx1"/>
                 </a:solidFill>
                 <a:latin typeface="Times New Roman" pitchFamily="18" charset="0"/>
                 <a:cs typeface="Times New Roman" pitchFamily="18" charset="0"/>
@@ -3900,7 +3900,7 @@
             <a:r>
               <a:rPr lang="en-US" sz="1600" dirty="0" err="1">
                 <a:solidFill>
-                  <a:srgbClr val="C00000"/>
+                  <a:schemeClr val="tx1"/>
                 </a:solidFill>
                 <a:latin typeface="Times New Roman" pitchFamily="18" charset="0"/>
                 <a:cs typeface="Times New Roman" pitchFamily="18" charset="0"/>
@@ -3910,7 +3910,7 @@
             <a:r>
               <a:rPr lang="en-US" sz="1600" dirty="0">
                 <a:solidFill>
-                  <a:srgbClr val="C00000"/>
+                  <a:schemeClr val="tx1"/>
                 </a:solidFill>
                 <a:latin typeface="Times New Roman" pitchFamily="18" charset="0"/>
                 <a:cs typeface="Times New Roman" pitchFamily="18" charset="0"/>
@@ -3920,7 +3920,7 @@
             <a:r>
               <a:rPr lang="en-US" sz="1600" dirty="0" err="1">
                 <a:solidFill>
-                  <a:srgbClr val="C00000"/>
+                  <a:schemeClr val="tx1"/>
                 </a:solidFill>
                 <a:latin typeface="Times New Roman" pitchFamily="18" charset="0"/>
                 <a:cs typeface="Times New Roman" pitchFamily="18" charset="0"/>
@@ -3929,7 +3929,7 @@
             </a:r>
             <a:endParaRPr lang="en-US" sz="1600" dirty="0">
               <a:solidFill>
-                <a:srgbClr val="C00000"/>
+                <a:schemeClr val="tx1"/>
               </a:solidFill>
               <a:latin typeface="Times New Roman" pitchFamily="18" charset="0"/>
               <a:cs typeface="Times New Roman" pitchFamily="18" charset="0"/>
@@ -3940,7 +3940,7 @@
             <a:r>
               <a:rPr lang="en-US" sz="1600" dirty="0">
                 <a:solidFill>
-                  <a:srgbClr val="C00000"/>
+                  <a:schemeClr val="tx1"/>
                 </a:solidFill>
                 <a:latin typeface="Times New Roman" pitchFamily="18" charset="0"/>
                 <a:cs typeface="Times New Roman" pitchFamily="18" charset="0"/>
@@ -3950,7 +3950,7 @@
             <a:r>
               <a:rPr lang="en-US" sz="1600" dirty="0" err="1">
                 <a:solidFill>
-                  <a:srgbClr val="C00000"/>
+                  <a:schemeClr val="tx1"/>
                 </a:solidFill>
                 <a:latin typeface="Times New Roman" pitchFamily="18" charset="0"/>
                 <a:cs typeface="Times New Roman" pitchFamily="18" charset="0"/>
@@ -3960,7 +3960,7 @@
             <a:r>
               <a:rPr lang="en-US" sz="1600" dirty="0">
                 <a:solidFill>
-                  <a:srgbClr val="C00000"/>
+                  <a:schemeClr val="tx1"/>
                 </a:solidFill>
                 <a:latin typeface="Times New Roman" pitchFamily="18" charset="0"/>
                 <a:cs typeface="Times New Roman" pitchFamily="18" charset="0"/>
@@ -3970,7 +3970,7 @@
             <a:r>
               <a:rPr lang="en-US" sz="1600" dirty="0" err="1">
                 <a:solidFill>
-                  <a:srgbClr val="C00000"/>
+                  <a:schemeClr val="tx1"/>
                 </a:solidFill>
                 <a:latin typeface="Times New Roman" pitchFamily="18" charset="0"/>
                 <a:cs typeface="Times New Roman" pitchFamily="18" charset="0"/>
@@ -3980,7 +3980,7 @@
             <a:r>
               <a:rPr lang="en-US" sz="1600" dirty="0">
                 <a:solidFill>
-                  <a:srgbClr val="C00000"/>
+                  <a:schemeClr val="tx1"/>
                 </a:solidFill>
                 <a:latin typeface="Times New Roman" pitchFamily="18" charset="0"/>
                 <a:cs typeface="Times New Roman" pitchFamily="18" charset="0"/>
@@ -3990,7 +3990,7 @@
             <a:r>
               <a:rPr lang="en-US" sz="1600" dirty="0" err="1">
                 <a:solidFill>
-                  <a:srgbClr val="C00000"/>
+                  <a:schemeClr val="tx1"/>
                 </a:solidFill>
                 <a:latin typeface="Times New Roman" pitchFamily="18" charset="0"/>
                 <a:cs typeface="Times New Roman" pitchFamily="18" charset="0"/>
@@ -3999,7 +3999,7 @@
             </a:r>
             <a:endParaRPr lang="en-US" sz="1600" dirty="0">
               <a:solidFill>
-                <a:srgbClr val="C00000"/>
+                <a:schemeClr val="tx1"/>
               </a:solidFill>
               <a:latin typeface="Times New Roman" pitchFamily="18" charset="0"/>
               <a:cs typeface="Times New Roman" pitchFamily="18" charset="0"/>
@@ -5353,20 +5353,50 @@
           </a:bodyPr>
           <a:lstStyle/>
           <a:p>
+            <a:pPr algn="just"/>
             <a:r>
               <a:rPr lang="en-US" sz="2400" dirty="0">
                 <a:latin typeface="Times New Roman" pitchFamily="18" charset="0"/>
                 <a:cs typeface="Times New Roman" pitchFamily="18" charset="0"/>
               </a:rPr>
-              <a:t>The future scope of the online healthcare system seems quite bright, showing the consumers’ dependability on this technology. </a:t>
-            </a:r>
-          </a:p>
-          <a:p>
+              <a:t>The future scope of the online </a:t>
+            </a:r>
+            <a:r>
+              <a:rPr lang="en-US" sz="2400" dirty="0" smtClean="0">
+                <a:latin typeface="Times New Roman" pitchFamily="18" charset="0"/>
+                <a:cs typeface="Times New Roman" pitchFamily="18" charset="0"/>
+              </a:rPr>
+              <a:t>health monitoring portal seems </a:t>
+            </a:r>
             <a:r>
               <a:rPr lang="en-US" sz="2400" dirty="0">
                 <a:latin typeface="Times New Roman" pitchFamily="18" charset="0"/>
                 <a:cs typeface="Times New Roman" pitchFamily="18" charset="0"/>
               </a:rPr>
+              <a:t>quite bright, showing the </a:t>
+            </a:r>
+            <a:r>
+              <a:rPr lang="en-US" sz="2400" dirty="0" smtClean="0">
+                <a:latin typeface="Times New Roman" pitchFamily="18" charset="0"/>
+                <a:cs typeface="Times New Roman" pitchFamily="18" charset="0"/>
+              </a:rPr>
+              <a:t>consumers dependability </a:t>
+            </a:r>
+            <a:r>
+              <a:rPr lang="en-US" sz="2400" dirty="0">
+                <a:latin typeface="Times New Roman" pitchFamily="18" charset="0"/>
+                <a:cs typeface="Times New Roman" pitchFamily="18" charset="0"/>
+              </a:rPr>
+              <a:t>on this technology. </a:t>
+            </a:r>
+          </a:p>
+          <a:p>
+            <a:pPr algn="just"/>
+            <a:r>
+              <a:rPr lang="en-US" sz="2400" dirty="0">
+                <a:latin typeface="Times New Roman" pitchFamily="18" charset="0"/>
+                <a:cs typeface="Times New Roman" pitchFamily="18" charset="0"/>
+              </a:rPr>
               <a:t>With the help of </a:t>
             </a:r>
             <a:r>
@@ -5399,6 +5429,7 @@
             </a:r>
           </a:p>
           <a:p>
+            <a:pPr algn="just"/>
             <a:r>
               <a:rPr lang="en-US" sz="2400" dirty="0">
                 <a:latin typeface="Times New Roman" pitchFamily="18" charset="0"/>
@@ -5542,9 +5573,6 @@
             <a:pPr algn="just"/>
             <a:r>
               <a:rPr lang="en-US" sz="2400" dirty="0">
-                <a:solidFill>
-                  <a:srgbClr val="333333"/>
-                </a:solidFill>
                 <a:latin typeface="Times New Roman" panose="02020603050405020304" pitchFamily="18" charset="0"/>
                 <a:cs typeface="Times New Roman" panose="02020603050405020304" pitchFamily="18" charset="0"/>
               </a:rPr>
@@ -5552,36 +5580,60 @@
             </a:r>
             <a:r>
               <a:rPr lang="en-US" sz="2400" b="0" i="0" dirty="0">
-                <a:solidFill>
-                  <a:srgbClr val="333333"/>
-                </a:solidFill>
                 <a:effectLst/>
                 <a:latin typeface="Times New Roman" panose="02020603050405020304" pitchFamily="18" charset="0"/>
                 <a:cs typeface="Times New Roman" panose="02020603050405020304" pitchFamily="18" charset="0"/>
               </a:rPr>
-              <a:t>ealth monitoring is growing worldwide at a faster rate in domains such as medical and healthcare, industrial processing, agriculture, public safety, environmental monitoring, smart homes and buildings, smart grid, smart mobility, etc.</a:t>
-            </a:r>
-          </a:p>
-          <a:p>
-            <a:pPr algn="just"/>
-            <a:r>
-              <a:rPr lang="en-US" sz="2400" b="0" i="0" dirty="0">
-                <a:solidFill>
-                  <a:srgbClr val="333333"/>
-                </a:solidFill>
+              <a:t>ealth monitoring is growing worldwide at a faster rate in domains such as medical and healthcare, industrial processing, agriculture, public safety, </a:t>
+            </a:r>
+            <a:r>
+              <a:rPr lang="en-US" sz="2400" b="0" i="0" dirty="0" smtClean="0">
                 <a:effectLst/>
                 <a:latin typeface="Times New Roman" panose="02020603050405020304" pitchFamily="18" charset="0"/>
                 <a:cs typeface="Times New Roman" panose="02020603050405020304" pitchFamily="18" charset="0"/>
               </a:rPr>
+              <a:t>smart </a:t>
+            </a:r>
+            <a:r>
+              <a:rPr lang="en-US" sz="2400" b="0" i="0" dirty="0">
+                <a:effectLst/>
+                <a:latin typeface="Times New Roman" panose="02020603050405020304" pitchFamily="18" charset="0"/>
+                <a:cs typeface="Times New Roman" panose="02020603050405020304" pitchFamily="18" charset="0"/>
+              </a:rPr>
+              <a:t>homes and </a:t>
+            </a:r>
+            <a:r>
+              <a:rPr lang="en-US" sz="2400" b="0" i="0" dirty="0" smtClean="0">
+                <a:effectLst/>
+                <a:latin typeface="Times New Roman" panose="02020603050405020304" pitchFamily="18" charset="0"/>
+                <a:cs typeface="Times New Roman" panose="02020603050405020304" pitchFamily="18" charset="0"/>
+              </a:rPr>
+              <a:t>buildings etc</a:t>
+            </a:r>
+            <a:r>
+              <a:rPr lang="en-US" sz="2400" b="0" i="0" dirty="0">
+                <a:effectLst/>
+                <a:latin typeface="Times New Roman" panose="02020603050405020304" pitchFamily="18" charset="0"/>
+                <a:cs typeface="Times New Roman" panose="02020603050405020304" pitchFamily="18" charset="0"/>
+              </a:rPr>
+              <a:t>.</a:t>
+            </a:r>
+          </a:p>
+          <a:p>
+            <a:pPr algn="just"/>
+            <a:r>
+              <a:rPr lang="en-US" sz="2400" b="0" i="0" dirty="0">
+                <a:effectLst/>
+                <a:latin typeface="Times New Roman" panose="02020603050405020304" pitchFamily="18" charset="0"/>
+                <a:cs typeface="Times New Roman" panose="02020603050405020304" pitchFamily="18" charset="0"/>
+              </a:rPr>
               <a:t>It has already been widely spread in developed countries. It is due to the advancements in intelligent digital technology.</a:t>
             </a:r>
           </a:p>
           <a:p>
+            <a:pPr algn="just"/>
             <a:r>
               <a:rPr lang="en-US" sz="2400" b="0" i="0" dirty="0">
-                <a:solidFill>
-                  <a:srgbClr val="4D5156"/>
-                </a:solidFill>
                 <a:effectLst/>
                 <a:latin typeface="Times New Roman" panose="02020603050405020304" pitchFamily="18" charset="0"/>
                 <a:cs typeface="Times New Roman" panose="02020603050405020304" pitchFamily="18" charset="0"/>
@@ -6021,23 +6073,108 @@
         <p:spPr/>
         <p:txBody>
           <a:bodyPr>
-            <a:normAutofit/>
+            <a:normAutofit lnSpcReduction="10000"/>
           </a:bodyPr>
           <a:lstStyle/>
           <a:p>
-            <a:pPr algn="just">
-              <a:buNone/>
-            </a:pPr>
-            <a:r>
-              <a:rPr lang="en-US" dirty="0"/>
-              <a:t>	</a:t>
+            <a:pPr algn="just"/>
+            <a:r>
+              <a:rPr lang="en-US" sz="2400" dirty="0" smtClean="0">
+                <a:latin typeface="Times New Roman" pitchFamily="18" charset="0"/>
+                <a:cs typeface="Times New Roman" pitchFamily="18" charset="0"/>
+              </a:rPr>
+              <a:t>The </a:t>
             </a:r>
             <a:r>
               <a:rPr lang="en-US" sz="2400" dirty="0">
                 <a:latin typeface="Times New Roman" pitchFamily="18" charset="0"/>
                 <a:cs typeface="Times New Roman" pitchFamily="18" charset="0"/>
               </a:rPr>
-              <a:t>The aim of this project is to build a website and database for the doctor and patient. Doctors can able to view the health records of the patient and provide prescription and also they can able to view their appointments. Patient can able to suggest the doctor they need for appointment. Admin will book the appointment for patients depending on the suggestions given by the patients and also on the availability of doctors. Through this application we fix the appointments and make the patients relieve from travel stress. </a:t>
+              <a:t>aim of this project is to build a website and database for the doctor and patient. </a:t>
+            </a:r>
+            <a:endParaRPr lang="en-US" sz="2400" dirty="0" smtClean="0">
+              <a:latin typeface="Times New Roman" pitchFamily="18" charset="0"/>
+              <a:cs typeface="Times New Roman" pitchFamily="18" charset="0"/>
+            </a:endParaRPr>
+          </a:p>
+          <a:p>
+            <a:pPr algn="just"/>
+            <a:r>
+              <a:rPr lang="en-US" sz="2400" dirty="0" smtClean="0">
+                <a:latin typeface="Times New Roman" pitchFamily="18" charset="0"/>
+                <a:cs typeface="Times New Roman" pitchFamily="18" charset="0"/>
+              </a:rPr>
+              <a:t>Doctors </a:t>
+            </a:r>
+            <a:r>
+              <a:rPr lang="en-US" sz="2400" dirty="0">
+                <a:latin typeface="Times New Roman" pitchFamily="18" charset="0"/>
+                <a:cs typeface="Times New Roman" pitchFamily="18" charset="0"/>
+              </a:rPr>
+              <a:t>can able to view the health records of the patient and provide prescription and also they can able to view their appointments. </a:t>
+            </a:r>
+            <a:endParaRPr lang="en-US" sz="2400" dirty="0" smtClean="0">
+              <a:latin typeface="Times New Roman" pitchFamily="18" charset="0"/>
+              <a:cs typeface="Times New Roman" pitchFamily="18" charset="0"/>
+            </a:endParaRPr>
+          </a:p>
+          <a:p>
+            <a:pPr algn="just"/>
+            <a:r>
+              <a:rPr lang="en-US" sz="2400" dirty="0" smtClean="0">
+                <a:latin typeface="Times New Roman" pitchFamily="18" charset="0"/>
+                <a:cs typeface="Times New Roman" pitchFamily="18" charset="0"/>
+              </a:rPr>
+              <a:t>Patient </a:t>
+            </a:r>
+            <a:r>
+              <a:rPr lang="en-US" sz="2400" dirty="0">
+                <a:latin typeface="Times New Roman" pitchFamily="18" charset="0"/>
+                <a:cs typeface="Times New Roman" pitchFamily="18" charset="0"/>
+              </a:rPr>
+              <a:t>can able to suggest the doctor they need for appointment. </a:t>
+            </a:r>
+            <a:endParaRPr lang="en-US" sz="2400" dirty="0" smtClean="0">
+              <a:latin typeface="Times New Roman" pitchFamily="18" charset="0"/>
+              <a:cs typeface="Times New Roman" pitchFamily="18" charset="0"/>
+            </a:endParaRPr>
+          </a:p>
+          <a:p>
+            <a:pPr algn="just"/>
+            <a:r>
+              <a:rPr lang="en-US" sz="2400" dirty="0" smtClean="0">
+                <a:latin typeface="Times New Roman" pitchFamily="18" charset="0"/>
+                <a:cs typeface="Times New Roman" pitchFamily="18" charset="0"/>
+              </a:rPr>
+              <a:t>Admin </a:t>
+            </a:r>
+            <a:r>
+              <a:rPr lang="en-US" sz="2400" dirty="0">
+                <a:latin typeface="Times New Roman" pitchFamily="18" charset="0"/>
+                <a:cs typeface="Times New Roman" pitchFamily="18" charset="0"/>
+              </a:rPr>
+              <a:t>will book the appointment for patients depending on the suggestions given by the patients and also on the availability of doctors. </a:t>
+            </a:r>
+            <a:endParaRPr lang="en-US" sz="2400" dirty="0" smtClean="0">
+              <a:latin typeface="Times New Roman" pitchFamily="18" charset="0"/>
+              <a:cs typeface="Times New Roman" pitchFamily="18" charset="0"/>
+            </a:endParaRPr>
+          </a:p>
+          <a:p>
+            <a:pPr algn="just"/>
+            <a:r>
+              <a:rPr lang="en-US" sz="2400" dirty="0" smtClean="0">
+                <a:latin typeface="Times New Roman" pitchFamily="18" charset="0"/>
+                <a:cs typeface="Times New Roman" pitchFamily="18" charset="0"/>
+              </a:rPr>
+              <a:t>Through </a:t>
+            </a:r>
+            <a:r>
+              <a:rPr lang="en-US" sz="2400" dirty="0">
+                <a:latin typeface="Times New Roman" pitchFamily="18" charset="0"/>
+                <a:cs typeface="Times New Roman" pitchFamily="18" charset="0"/>
+              </a:rPr>
+              <a:t>this application we fix the appointments and make the patients relieve from travel stress. </a:t>
             </a:r>
           </a:p>
         </p:txBody>
@@ -6171,31 +6308,90 @@
           </a:bodyPr>
           <a:lstStyle/>
           <a:p>
+            <a:pPr algn="just"/>
+            <a:r>
+              <a:rPr lang="en-US" sz="2400" dirty="0" smtClean="0">
+                <a:latin typeface="Times New Roman" pitchFamily="18" charset="0"/>
+                <a:cs typeface="Times New Roman" pitchFamily="18" charset="0"/>
+              </a:rPr>
+              <a:t>Patient health monitoring </a:t>
+            </a:r>
             <a:r>
               <a:rPr lang="en-US" sz="2400" dirty="0">
                 <a:latin typeface="Times New Roman" pitchFamily="18" charset="0"/>
                 <a:cs typeface="Times New Roman" pitchFamily="18" charset="0"/>
               </a:rPr>
-              <a:t>Patient health monitoring portal engages technology to enable healthcare providers to observe varied metrics relating to a patient’s health on an ongoing basis while the patient is outside of the conventional clinical setting, such as at their home. </a:t>
-            </a:r>
-          </a:p>
-          <a:p>
+              <a:t>portal engages technology to enable healthcare providers to observe varied metrics relating to a patient’s health on an ongoing </a:t>
+            </a:r>
+            <a:r>
+              <a:rPr lang="en-US" sz="2400" dirty="0" smtClean="0">
+                <a:latin typeface="Times New Roman" pitchFamily="18" charset="0"/>
+                <a:cs typeface="Times New Roman" pitchFamily="18" charset="0"/>
+              </a:rPr>
+              <a:t>basis.</a:t>
+            </a:r>
+          </a:p>
+          <a:p>
+            <a:pPr algn="just"/>
+            <a:r>
+              <a:rPr lang="en-US" sz="2400" dirty="0" smtClean="0">
+                <a:latin typeface="Times New Roman" pitchFamily="18" charset="0"/>
+                <a:cs typeface="Times New Roman" pitchFamily="18" charset="0"/>
+              </a:rPr>
+              <a:t>while </a:t>
+            </a:r>
             <a:r>
               <a:rPr lang="en-US" sz="2400" dirty="0">
                 <a:latin typeface="Times New Roman" pitchFamily="18" charset="0"/>
                 <a:cs typeface="Times New Roman" pitchFamily="18" charset="0"/>
               </a:rPr>
-              <a:t>In short, patient data is collected from a remote location and transmitted electronically to healthcare providers in another location for assessment.</a:t>
-            </a:r>
-          </a:p>
-          <a:p>
+              <a:t>the patient is outside of the conventional clinical setting, such as at their home. </a:t>
+            </a:r>
+          </a:p>
+          <a:p>
+            <a:pPr algn="just"/>
+            <a:r>
+              <a:rPr lang="en-US" sz="2400" dirty="0" smtClean="0">
+                <a:latin typeface="Times New Roman" pitchFamily="18" charset="0"/>
+                <a:cs typeface="Times New Roman" pitchFamily="18" charset="0"/>
+              </a:rPr>
+              <a:t>P</a:t>
+            </a:r>
+            <a:r>
+              <a:rPr lang="en-US" sz="2400" dirty="0" smtClean="0">
+                <a:latin typeface="Times New Roman" pitchFamily="18" charset="0"/>
+                <a:cs typeface="Times New Roman" pitchFamily="18" charset="0"/>
+              </a:rPr>
+              <a:t>atient </a:t>
+            </a:r>
             <a:r>
               <a:rPr lang="en-US" sz="2400" dirty="0">
                 <a:latin typeface="Times New Roman" pitchFamily="18" charset="0"/>
                 <a:cs typeface="Times New Roman" pitchFamily="18" charset="0"/>
               </a:rPr>
-              <a:t>It allows healthcare providers to track patient data as weight, activity, blood pressure, etc. which would otherwise be costly (in repeated office visits) and could lead to unwanted physical, mental, and emotional stress for the patient.</a:t>
-            </a:r>
+              <a:t>data is collected from a remote location and transmitted electronically to healthcare providers in another location for assessment.</a:t>
+            </a:r>
+          </a:p>
+          <a:p>
+            <a:pPr algn="just"/>
+            <a:r>
+              <a:rPr lang="en-US" sz="2400" dirty="0">
+                <a:latin typeface="Times New Roman" pitchFamily="18" charset="0"/>
+                <a:cs typeface="Times New Roman" pitchFamily="18" charset="0"/>
+              </a:rPr>
+              <a:t>It allows healthcare providers to track patient data as weight, activity, blood pressure, </a:t>
+            </a:r>
+            <a:r>
+              <a:rPr lang="en-US" sz="2400" dirty="0" smtClean="0">
+                <a:latin typeface="Times New Roman" pitchFamily="18" charset="0"/>
+                <a:cs typeface="Times New Roman" pitchFamily="18" charset="0"/>
+              </a:rPr>
+              <a:t>etc.</a:t>
+            </a:r>
+            <a:endParaRPr lang="en-US" sz="2400" dirty="0">
+              <a:latin typeface="Times New Roman" pitchFamily="18" charset="0"/>
+              <a:cs typeface="Times New Roman" pitchFamily="18" charset="0"/>
+            </a:endParaRPr>
           </a:p>
         </p:txBody>
       </p:sp>
@@ -6280,12 +6476,7 @@
             <p:ph type="title"/>
           </p:nvPr>
         </p:nvSpPr>
-        <p:spPr>
-          <a:xfrm>
-            <a:off x="457200" y="274638"/>
-            <a:ext cx="8229600" cy="939784"/>
-          </a:xfrm>
-        </p:spPr>
+        <p:spPr/>
         <p:txBody>
           <a:bodyPr>
             <a:normAutofit/>
@@ -6294,7 +6485,7 @@
           <a:p>
             <a:pPr algn="l"/>
             <a:r>
-              <a:rPr lang="en-US" sz="3600" b="1" dirty="0">
+              <a:rPr lang="en-US" sz="3600" b="1" dirty="0" smtClean="0">
                 <a:solidFill>
                   <a:srgbClr val="0070C0"/>
                 </a:solidFill>
@@ -6303,6 +6494,7 @@
               </a:rPr>
               <a:t>Problem Statement</a:t>
             </a:r>
+            <a:endParaRPr lang="en-US" sz="3600" dirty="0"/>
           </a:p>
         </p:txBody>
       </p:sp>
@@ -6316,22 +6508,95 @@
             <p:ph idx="1"/>
           </p:nvPr>
         </p:nvSpPr>
-        <p:spPr/>
+        <p:spPr>
+          <a:xfrm>
+            <a:off x="457200" y="1500174"/>
+            <a:ext cx="8229600" cy="4625989"/>
+          </a:xfrm>
+        </p:spPr>
         <p:txBody>
           <a:bodyPr>
-            <a:normAutofit/>
+            <a:noAutofit/>
           </a:bodyPr>
           <a:lstStyle/>
           <a:p>
-            <a:pPr marL="0" indent="0" algn="just">
-              <a:buNone/>
-            </a:pPr>
-            <a:r>
-              <a:rPr lang="en-US" sz="2400" dirty="0">
+            <a:pPr algn="just"/>
+            <a:r>
+              <a:rPr lang="en-US" sz="2400" dirty="0" smtClean="0">
                 <a:latin typeface="Times New Roman" panose="02020603050405020304" pitchFamily="18" charset="0"/>
                 <a:cs typeface="Times New Roman" panose="02020603050405020304" pitchFamily="18" charset="0"/>
               </a:rPr>
-              <a:t>In the absence of the doctors, the patient cannot consult the doctors due to which emergency situation may also be created. The personal health monitoring of each individual is considered very important because of the rise in health problems in today's world. The increasing stressful lifestyle is taking a maximum toll on public health. With the ever increasing queues at hospitals and an increasing number of patients, the doctor fees have sky-rocketed which is affecting especially those patients who cannot afford the fee or who are not suffering from major ailments but get to know so only after paying a hefty fee to the doctor.</a:t>
+              <a:t>In the absence of the doctors, the patient cannot consult the doctors due to which emergency situation may also be created. </a:t>
+            </a:r>
+            <a:endParaRPr lang="en-US" sz="2400" dirty="0" smtClean="0">
+              <a:latin typeface="Times New Roman" panose="02020603050405020304" pitchFamily="18" charset="0"/>
+              <a:cs typeface="Times New Roman" panose="02020603050405020304" pitchFamily="18" charset="0"/>
+            </a:endParaRPr>
+          </a:p>
+          <a:p>
+            <a:pPr algn="just"/>
+            <a:r>
+              <a:rPr lang="en-US" sz="2400" dirty="0" smtClean="0">
+                <a:latin typeface="Times New Roman" panose="02020603050405020304" pitchFamily="18" charset="0"/>
+                <a:cs typeface="Times New Roman" panose="02020603050405020304" pitchFamily="18" charset="0"/>
+              </a:rPr>
+              <a:t>The </a:t>
+            </a:r>
+            <a:r>
+              <a:rPr lang="en-US" sz="2400" dirty="0" smtClean="0">
+                <a:latin typeface="Times New Roman" panose="02020603050405020304" pitchFamily="18" charset="0"/>
+                <a:cs typeface="Times New Roman" panose="02020603050405020304" pitchFamily="18" charset="0"/>
+              </a:rPr>
+              <a:t>personal health monitoring of each individual is considered very important because of the rise in health problems in today's world. </a:t>
+            </a:r>
+            <a:endParaRPr lang="en-US" sz="2400" dirty="0" smtClean="0">
+              <a:latin typeface="Times New Roman" panose="02020603050405020304" pitchFamily="18" charset="0"/>
+              <a:cs typeface="Times New Roman" panose="02020603050405020304" pitchFamily="18" charset="0"/>
+            </a:endParaRPr>
+          </a:p>
+          <a:p>
+            <a:pPr algn="just"/>
+            <a:r>
+              <a:rPr lang="en-US" sz="2400" dirty="0" smtClean="0">
+                <a:latin typeface="Times New Roman" panose="02020603050405020304" pitchFamily="18" charset="0"/>
+                <a:cs typeface="Times New Roman" panose="02020603050405020304" pitchFamily="18" charset="0"/>
+              </a:rPr>
+              <a:t>The </a:t>
+            </a:r>
+            <a:r>
+              <a:rPr lang="en-US" sz="2400" dirty="0" smtClean="0">
+                <a:latin typeface="Times New Roman" panose="02020603050405020304" pitchFamily="18" charset="0"/>
+                <a:cs typeface="Times New Roman" panose="02020603050405020304" pitchFamily="18" charset="0"/>
+              </a:rPr>
+              <a:t>increasing stressful lifestyle is taking a maximum toll on public health. </a:t>
+            </a:r>
+            <a:endParaRPr lang="en-US" sz="2400" dirty="0" smtClean="0">
+              <a:latin typeface="Times New Roman" panose="02020603050405020304" pitchFamily="18" charset="0"/>
+              <a:cs typeface="Times New Roman" panose="02020603050405020304" pitchFamily="18" charset="0"/>
+            </a:endParaRPr>
+          </a:p>
+          <a:p>
+            <a:pPr algn="just"/>
+            <a:r>
+              <a:rPr lang="en-US" sz="2400" dirty="0" smtClean="0">
+                <a:latin typeface="Times New Roman" panose="02020603050405020304" pitchFamily="18" charset="0"/>
+                <a:cs typeface="Times New Roman" panose="02020603050405020304" pitchFamily="18" charset="0"/>
+              </a:rPr>
+              <a:t>With </a:t>
+            </a:r>
+            <a:r>
+              <a:rPr lang="en-US" sz="2400" dirty="0" smtClean="0">
+                <a:latin typeface="Times New Roman" panose="02020603050405020304" pitchFamily="18" charset="0"/>
+                <a:cs typeface="Times New Roman" panose="02020603050405020304" pitchFamily="18" charset="0"/>
+              </a:rPr>
+              <a:t>the ever increasing queues at hospitals and an increasing number of patients, the doctor fees have </a:t>
+            </a:r>
+            <a:r>
+              <a:rPr lang="en-US" sz="2400" dirty="0" smtClean="0">
+                <a:latin typeface="Times New Roman" panose="02020603050405020304" pitchFamily="18" charset="0"/>
+                <a:cs typeface="Times New Roman" panose="02020603050405020304" pitchFamily="18" charset="0"/>
+              </a:rPr>
+              <a:t>sky-rocketed.</a:t>
             </a:r>
           </a:p>
         </p:txBody>
@@ -6352,9 +6617,10 @@
           <a:lstStyle/>
           <a:p>
             <a:r>
-              <a:rPr lang="en-US"/>
+              <a:rPr lang="en-US" smtClean="0"/>
               <a:t>@2023 Cognizant</a:t>
             </a:r>
+            <a:endParaRPr lang="en-US"/>
           </a:p>
         </p:txBody>
       </p:sp>
